--- a/FinalProject.pptx
+++ b/FinalProject.pptx
@@ -8661,7 +8661,7 @@
         <p:spPr>
           <a:xfrm>
             <a:off x="152400" y="1337075"/>
-            <a:ext cx="8520159" cy="3654025"/>
+            <a:ext cx="7019925" cy="3076575"/>
           </a:xfrm>
           <a:prstGeom prst="rect">
             <a:avLst/>

--- a/FinalProject.pptx
+++ b/FinalProject.pptx
@@ -1410,7 +1410,7 @@
   <p:cSld>
     <p:spTree>
       <p:nvGrpSpPr>
-        <p:cNvPr id="188" name="Shape 188"/>
+        <p:cNvPr id="190" name="Shape 190"/>
         <p:cNvGrpSpPr/>
         <p:nvPr/>
       </p:nvGrpSpPr>
@@ -1424,7 +1424,7 @@
       </p:grpSpPr>
       <p:sp>
         <p:nvSpPr>
-          <p:cNvPr id="189" name="Google Shape;189;gc6f73a04f_0_20:notes"/>
+          <p:cNvPr id="191" name="Google Shape;191;gc6f73a04f_0_20:notes"/>
           <p:cNvSpPr/>
           <p:nvPr>
             <p:ph idx="2" type="sldImg"/>
@@ -1459,7 +1459,7 @@
       </p:sp>
       <p:sp>
         <p:nvSpPr>
-          <p:cNvPr id="190" name="Google Shape;190;gc6f73a04f_0_20:notes"/>
+          <p:cNvPr id="192" name="Google Shape;192;gc6f73a04f_0_20:notes"/>
           <p:cNvSpPr txBox="1"/>
           <p:nvPr>
             <p:ph idx="1" type="body"/>
@@ -1509,7 +1509,7 @@
   <p:cSld>
     <p:spTree>
       <p:nvGrpSpPr>
-        <p:cNvPr id="196" name="Shape 196"/>
+        <p:cNvPr id="198" name="Shape 198"/>
         <p:cNvGrpSpPr/>
         <p:nvPr/>
       </p:nvGrpSpPr>
@@ -1523,7 +1523,7 @@
       </p:grpSpPr>
       <p:sp>
         <p:nvSpPr>
-          <p:cNvPr id="197" name="Google Shape;197;gc6f73a04f_0_30:notes"/>
+          <p:cNvPr id="199" name="Google Shape;199;gc6f73a04f_0_30:notes"/>
           <p:cNvSpPr/>
           <p:nvPr>
             <p:ph idx="2" type="sldImg"/>
@@ -1558,7 +1558,7 @@
       </p:sp>
       <p:sp>
         <p:nvSpPr>
-          <p:cNvPr id="198" name="Google Shape;198;gc6f73a04f_0_30:notes"/>
+          <p:cNvPr id="200" name="Google Shape;200;gc6f73a04f_0_30:notes"/>
           <p:cNvSpPr txBox="1"/>
           <p:nvPr>
             <p:ph idx="1" type="body"/>
@@ -1608,7 +1608,7 @@
   <p:cSld>
     <p:spTree>
       <p:nvGrpSpPr>
-        <p:cNvPr id="203" name="Shape 203"/>
+        <p:cNvPr id="205" name="Shape 205"/>
         <p:cNvGrpSpPr/>
         <p:nvPr/>
       </p:nvGrpSpPr>
@@ -1622,7 +1622,7 @@
       </p:grpSpPr>
       <p:sp>
         <p:nvSpPr>
-          <p:cNvPr id="204" name="Google Shape;204;gc6f73a04f_0_46:notes"/>
+          <p:cNvPr id="206" name="Google Shape;206;gc6f73a04f_0_46:notes"/>
           <p:cNvSpPr/>
           <p:nvPr>
             <p:ph idx="2" type="sldImg"/>
@@ -1657,7 +1657,7 @@
       </p:sp>
       <p:sp>
         <p:nvSpPr>
-          <p:cNvPr id="205" name="Google Shape;205;gc6f73a04f_0_46:notes"/>
+          <p:cNvPr id="207" name="Google Shape;207;gc6f73a04f_0_46:notes"/>
           <p:cNvSpPr txBox="1"/>
           <p:nvPr>
             <p:ph idx="1" type="body"/>
@@ -9830,12 +9830,69 @@
               <a:buNone/>
             </a:pPr>
             <a:r>
-              <a:t/>
+              <a:rPr lang="ru"/>
+              <a:t>Deploy stage</a:t>
             </a:r>
             <a:endParaRPr/>
           </a:p>
         </p:txBody>
       </p:sp>
+      <p:pic>
+        <p:nvPicPr>
+          <p:cNvPr id="188" name="Google Shape;188;p27"/>
+          <p:cNvPicPr preferRelativeResize="0"/>
+          <p:nvPr/>
+        </p:nvPicPr>
+        <p:blipFill>
+          <a:blip r:embed="rId3">
+            <a:alphaModFix/>
+          </a:blip>
+          <a:stretch>
+            <a:fillRect/>
+          </a:stretch>
+        </p:blipFill>
+        <p:spPr>
+          <a:xfrm>
+            <a:off x="152400" y="771450"/>
+            <a:ext cx="2899536" cy="4219649"/>
+          </a:xfrm>
+          <a:prstGeom prst="rect">
+            <a:avLst/>
+          </a:prstGeom>
+          <a:noFill/>
+          <a:ln>
+            <a:noFill/>
+          </a:ln>
+        </p:spPr>
+      </p:pic>
+      <p:pic>
+        <p:nvPicPr>
+          <p:cNvPr id="189" name="Google Shape;189;p27"/>
+          <p:cNvPicPr preferRelativeResize="0"/>
+          <p:nvPr/>
+        </p:nvPicPr>
+        <p:blipFill>
+          <a:blip r:embed="rId4">
+            <a:alphaModFix/>
+          </a:blip>
+          <a:stretch>
+            <a:fillRect/>
+          </a:stretch>
+        </p:blipFill>
+        <p:spPr>
+          <a:xfrm>
+            <a:off x="3204336" y="771450"/>
+            <a:ext cx="4648200" cy="2486025"/>
+          </a:xfrm>
+          <a:prstGeom prst="rect">
+            <a:avLst/>
+          </a:prstGeom>
+          <a:noFill/>
+          <a:ln>
+            <a:noFill/>
+          </a:ln>
+        </p:spPr>
+      </p:pic>
     </p:spTree>
   </p:cSld>
   <p:clrMapOvr>
@@ -9849,7 +9906,7 @@
   <p:cSld>
     <p:spTree>
       <p:nvGrpSpPr>
-        <p:cNvPr id="191" name="Shape 191"/>
+        <p:cNvPr id="193" name="Shape 193"/>
         <p:cNvGrpSpPr/>
         <p:nvPr/>
       </p:nvGrpSpPr>
@@ -9863,7 +9920,7 @@
       </p:grpSpPr>
       <p:sp>
         <p:nvSpPr>
-          <p:cNvPr id="192" name="Google Shape;192;p28"/>
+          <p:cNvPr id="194" name="Google Shape;194;p28"/>
           <p:cNvSpPr txBox="1"/>
           <p:nvPr>
             <p:ph type="title"/>
@@ -9903,7 +9960,7 @@
       </p:sp>
       <p:sp>
         <p:nvSpPr>
-          <p:cNvPr id="193" name="Google Shape;193;p28"/>
+          <p:cNvPr id="195" name="Google Shape;195;p28"/>
           <p:cNvSpPr txBox="1"/>
           <p:nvPr>
             <p:ph idx="1" type="body"/>
@@ -9962,7 +10019,7 @@
       </p:sp>
       <p:pic>
         <p:nvPicPr>
-          <p:cNvPr id="194" name="Google Shape;194;p28"/>
+          <p:cNvPr id="196" name="Google Shape;196;p28"/>
           <p:cNvPicPr preferRelativeResize="0"/>
           <p:nvPr/>
         </p:nvPicPr>
@@ -9990,7 +10047,7 @@
       </p:pic>
       <p:pic>
         <p:nvPicPr>
-          <p:cNvPr id="195" name="Google Shape;195;p28"/>
+          <p:cNvPr id="197" name="Google Shape;197;p28"/>
           <p:cNvPicPr preferRelativeResize="0"/>
           <p:nvPr/>
         </p:nvPicPr>
@@ -10029,7 +10086,7 @@
   <p:cSld>
     <p:spTree>
       <p:nvGrpSpPr>
-        <p:cNvPr id="199" name="Shape 199"/>
+        <p:cNvPr id="201" name="Shape 201"/>
         <p:cNvGrpSpPr/>
         <p:nvPr/>
       </p:nvGrpSpPr>
@@ -10043,7 +10100,7 @@
       </p:grpSpPr>
       <p:sp>
         <p:nvSpPr>
-          <p:cNvPr id="200" name="Google Shape;200;p29"/>
+          <p:cNvPr id="202" name="Google Shape;202;p29"/>
           <p:cNvSpPr txBox="1"/>
           <p:nvPr>
             <p:ph type="title"/>
@@ -10083,7 +10140,7 @@
       </p:sp>
       <p:sp>
         <p:nvSpPr>
-          <p:cNvPr id="201" name="Google Shape;201;p29"/>
+          <p:cNvPr id="203" name="Google Shape;203;p29"/>
           <p:cNvSpPr txBox="1"/>
           <p:nvPr>
             <p:ph idx="1" type="subTitle"/>
@@ -10183,7 +10240,7 @@
       </p:sp>
       <p:pic>
         <p:nvPicPr>
-          <p:cNvPr id="202" name="Google Shape;202;p29"/>
+          <p:cNvPr id="204" name="Google Shape;204;p29"/>
           <p:cNvPicPr preferRelativeResize="0"/>
           <p:nvPr/>
         </p:nvPicPr>
@@ -10222,7 +10279,7 @@
   <p:cSld>
     <p:spTree>
       <p:nvGrpSpPr>
-        <p:cNvPr id="206" name="Shape 206"/>
+        <p:cNvPr id="208" name="Shape 208"/>
         <p:cNvGrpSpPr/>
         <p:nvPr/>
       </p:nvGrpSpPr>
@@ -10236,7 +10293,7 @@
       </p:grpSpPr>
       <p:sp>
         <p:nvSpPr>
-          <p:cNvPr id="207" name="Google Shape;207;p30"/>
+          <p:cNvPr id="209" name="Google Shape;209;p30"/>
           <p:cNvSpPr txBox="1"/>
           <p:nvPr>
             <p:ph type="title"/>
